--- a/paper1/tcn.pptx
+++ b/paper1/tcn.pptx
@@ -3103,7 +3103,7 @@
         </p:nvSpPr>
         <p:spPr>
           <a:xfrm>
-            <a:off x="4033172" y="2584191"/>
+            <a:off x="4033172" y="2931654"/>
             <a:ext cx="274434" cy="261610"/>
           </a:xfrm>
           <a:prstGeom prst="rect">
@@ -3144,7 +3144,7 @@
         </p:nvSpPr>
         <p:spPr>
           <a:xfrm>
-            <a:off x="4423135" y="2575432"/>
+            <a:off x="4423135" y="2922895"/>
             <a:ext cx="269318" cy="261610"/>
           </a:xfrm>
           <a:prstGeom prst="rect">
@@ -3181,7 +3181,7 @@
         </p:nvSpPr>
         <p:spPr>
           <a:xfrm>
-            <a:off x="4245214" y="2109438"/>
+            <a:off x="4245214" y="2456901"/>
             <a:ext cx="269318" cy="261610"/>
           </a:xfrm>
           <a:prstGeom prst="rect">
@@ -3218,7 +3218,7 @@
         </p:nvSpPr>
         <p:spPr>
           <a:xfrm>
-            <a:off x="3782781" y="2774505"/>
+            <a:off x="3782781" y="3121968"/>
             <a:ext cx="248786" cy="230832"/>
           </a:xfrm>
           <a:prstGeom prst="rect">
@@ -3248,7 +3248,7 @@
         </p:nvSpPr>
         <p:spPr>
           <a:xfrm>
-            <a:off x="4692453" y="2767990"/>
+            <a:off x="4692453" y="3115453"/>
             <a:ext cx="248786" cy="230832"/>
           </a:xfrm>
           <a:prstGeom prst="rect">
@@ -3278,7 +3278,7 @@
         </p:nvSpPr>
         <p:spPr>
           <a:xfrm>
-            <a:off x="4042138" y="2195175"/>
+            <a:off x="4042138" y="2542638"/>
             <a:ext cx="243163" cy="230832"/>
           </a:xfrm>
           <a:prstGeom prst="rect">
@@ -3310,7 +3310,7 @@
         </p:nvCxnSpPr>
         <p:spPr>
           <a:xfrm flipH="1">
-            <a:off x="4170389" y="2371048"/>
+            <a:off x="4170389" y="2718511"/>
             <a:ext cx="209484" cy="213143"/>
           </a:xfrm>
           <a:prstGeom prst="line">
@@ -3342,7 +3342,7 @@
         </p:nvCxnSpPr>
         <p:spPr>
           <a:xfrm>
-            <a:off x="4379873" y="2389628"/>
+            <a:off x="4379873" y="2737091"/>
             <a:ext cx="177921" cy="185804"/>
           </a:xfrm>
           <a:prstGeom prst="line">
@@ -3372,7 +3372,7 @@
         </p:nvSpPr>
         <p:spPr>
           <a:xfrm>
-            <a:off x="4081850" y="4038435"/>
+            <a:off x="4249263" y="4038435"/>
             <a:ext cx="269318" cy="261610"/>
           </a:xfrm>
           <a:prstGeom prst="rect">
@@ -3409,7 +3409,7 @@
         </p:nvSpPr>
         <p:spPr>
           <a:xfrm>
-            <a:off x="4601212" y="4038435"/>
+            <a:off x="4768625" y="4038435"/>
             <a:ext cx="523275" cy="261610"/>
           </a:xfrm>
           <a:prstGeom prst="rect">
@@ -3498,7 +3498,7 @@
         </p:nvSpPr>
         <p:spPr>
           <a:xfrm>
-            <a:off x="4379873" y="3608849"/>
+            <a:off x="4547286" y="3608849"/>
             <a:ext cx="269318" cy="261610"/>
           </a:xfrm>
           <a:prstGeom prst="rect">
@@ -3535,7 +3535,7 @@
         </p:nvSpPr>
         <p:spPr>
           <a:xfrm>
-            <a:off x="3873144" y="4108189"/>
+            <a:off x="4040557" y="4108189"/>
             <a:ext cx="245305" cy="230832"/>
           </a:xfrm>
           <a:prstGeom prst="rect">
@@ -3553,7 +3553,6 @@
               <a:rPr lang="en-US" sz="900" dirty="0"/>
               <a:t>n</a:t>
             </a:r>
-            <a:endParaRPr lang="en-US" sz="900" dirty="0"/>
           </a:p>
         </p:txBody>
       </p:sp>
@@ -3565,7 +3564,7 @@
         </p:nvSpPr>
         <p:spPr>
           <a:xfrm>
-            <a:off x="4054097" y="3682599"/>
+            <a:off x="4221510" y="3682599"/>
             <a:ext cx="361284" cy="230832"/>
           </a:xfrm>
           <a:prstGeom prst="rect">
@@ -3585,11 +3584,7 @@
             </a:r>
             <a:r>
               <a:rPr lang="en-US" sz="900" dirty="0" smtClean="0"/>
-              <a:t>+</a:t>
-            </a:r>
-            <a:r>
-              <a:rPr lang="en-US" sz="900" dirty="0" smtClean="0"/>
-              <a:t>1</a:t>
+              <a:t>+1</a:t>
             </a:r>
             <a:endParaRPr lang="en-US" sz="900" dirty="0"/>
           </a:p>
@@ -3606,7 +3601,7 @@
         </p:nvCxnSpPr>
         <p:spPr>
           <a:xfrm flipH="1">
-            <a:off x="4216509" y="3870459"/>
+            <a:off x="4383922" y="3870459"/>
             <a:ext cx="298023" cy="167976"/>
           </a:xfrm>
           <a:prstGeom prst="line">
@@ -3639,7 +3634,7 @@
         </p:nvCxnSpPr>
         <p:spPr>
           <a:xfrm>
-            <a:off x="4514532" y="3870459"/>
+            <a:off x="4681945" y="3870459"/>
             <a:ext cx="348318" cy="167976"/>
           </a:xfrm>
           <a:prstGeom prst="line">
@@ -3669,7 +3664,7 @@
         </p:nvSpPr>
         <p:spPr>
           <a:xfrm>
-            <a:off x="3743547" y="4466804"/>
+            <a:off x="3910960" y="4466804"/>
             <a:ext cx="269318" cy="261610"/>
           </a:xfrm>
           <a:prstGeom prst="rect">
@@ -3706,7 +3701,7 @@
         </p:nvSpPr>
         <p:spPr>
           <a:xfrm>
-            <a:off x="4316132" y="4487290"/>
+            <a:off x="4483545" y="4487290"/>
             <a:ext cx="523275" cy="261610"/>
           </a:xfrm>
           <a:prstGeom prst="rect">
@@ -3795,7 +3790,7 @@
         </p:nvSpPr>
         <p:spPr>
           <a:xfrm>
-            <a:off x="3472155" y="4582065"/>
+            <a:off x="3639568" y="4582065"/>
             <a:ext cx="339137" cy="230832"/>
           </a:xfrm>
           <a:prstGeom prst="rect">
@@ -3815,11 +3810,7 @@
             </a:r>
             <a:r>
               <a:rPr lang="en-US" sz="900" dirty="0" smtClean="0"/>
-              <a:t>-</a:t>
-            </a:r>
-            <a:r>
-              <a:rPr lang="en-US" sz="900" dirty="0" smtClean="0"/>
-              <a:t>1</a:t>
+              <a:t>-1</a:t>
             </a:r>
             <a:endParaRPr lang="en-US" sz="900" dirty="0"/>
           </a:p>
@@ -3833,7 +3824,7 @@
         </p:nvSpPr>
         <p:spPr>
           <a:xfrm>
-            <a:off x="3413987" y="4826088"/>
+            <a:off x="3581400" y="4826088"/>
             <a:ext cx="282061" cy="261610"/>
           </a:xfrm>
           <a:prstGeom prst="rect">
@@ -3851,147 +3842,6 @@
               <a:rPr lang="en-US" sz="1050" dirty="0" smtClean="0"/>
               <a:t>…</a:t>
             </a:r>
-            <a:endParaRPr lang="en-US" sz="1050" dirty="0"/>
-          </a:p>
-        </p:txBody>
-      </p:sp>
-      <p:sp>
-        <p:nvSpPr>
-          <p:cNvPr id="36" name="TextBox 35"/>
-          <p:cNvSpPr txBox="1"/>
-          <p:nvPr/>
-        </p:nvSpPr>
-        <p:spPr>
-          <a:xfrm>
-            <a:off x="3317139" y="3025232"/>
-            <a:ext cx="2335683" cy="253916"/>
-          </a:xfrm>
-          <a:prstGeom prst="rect">
-            <a:avLst/>
-          </a:prstGeom>
-          <a:noFill/>
-        </p:spPr>
-        <p:txBody>
-          <a:bodyPr wrap="none" rtlCol="0">
-            <a:spAutoFit/>
-          </a:bodyPr>
-          <a:lstStyle/>
-          <a:p>
-            <a:r>
-              <a:rPr lang="en-US" sz="1050" dirty="0" smtClean="0"/>
-              <a:t>Line 2: </a:t>
-            </a:r>
-            <a:r>
-              <a:rPr lang="en-US" sz="1050" dirty="0" err="1" smtClean="0"/>
-              <a:t>tcn</a:t>
-            </a:r>
-            <a:r>
-              <a:rPr lang="en-US" sz="1050" dirty="0" smtClean="0"/>
-              <a:t>(c) = 1+max(</a:t>
-            </a:r>
-            <a:r>
-              <a:rPr lang="en-US" sz="1050" dirty="0" err="1" smtClean="0"/>
-              <a:t>tcn</a:t>
-            </a:r>
-            <a:r>
-              <a:rPr lang="en-US" sz="1050" dirty="0" smtClean="0"/>
-              <a:t>(a),</a:t>
-            </a:r>
-            <a:r>
-              <a:rPr lang="en-US" sz="1050" dirty="0" err="1" smtClean="0"/>
-              <a:t>tcn</a:t>
-            </a:r>
-            <a:r>
-              <a:rPr lang="en-US" sz="1050" dirty="0" smtClean="0"/>
-              <a:t>(b)) = 1</a:t>
-            </a:r>
-            <a:endParaRPr lang="en-US" sz="1050" dirty="0"/>
-          </a:p>
-        </p:txBody>
-      </p:sp>
-      <p:sp>
-        <p:nvSpPr>
-          <p:cNvPr id="37" name="TextBox 36"/>
-          <p:cNvSpPr txBox="1"/>
-          <p:nvPr/>
-        </p:nvSpPr>
-        <p:spPr>
-          <a:xfrm>
-            <a:off x="3136647" y="5091775"/>
-            <a:ext cx="2521487" cy="577081"/>
-          </a:xfrm>
-          <a:prstGeom prst="rect">
-            <a:avLst/>
-          </a:prstGeom>
-          <a:noFill/>
-        </p:spPr>
-        <p:txBody>
-          <a:bodyPr wrap="none" rtlCol="0">
-            <a:spAutoFit/>
-          </a:bodyPr>
-          <a:lstStyle/>
-          <a:p>
-            <a:r>
-              <a:rPr lang="en-US" sz="1050" dirty="0" smtClean="0"/>
-              <a:t>Line 4: </a:t>
-            </a:r>
-            <a:r>
-              <a:rPr lang="en-US" sz="1050" dirty="0" err="1" smtClean="0"/>
-              <a:t>tcn</a:t>
-            </a:r>
-            <a:r>
-              <a:rPr lang="en-US" sz="1050" dirty="0" smtClean="0"/>
-              <a:t>(c) = 1+max(</a:t>
-            </a:r>
-            <a:r>
-              <a:rPr lang="en-US" sz="1050" dirty="0" err="1" smtClean="0"/>
-              <a:t>tcn</a:t>
-            </a:r>
-            <a:r>
-              <a:rPr lang="en-US" sz="1050" dirty="0" smtClean="0"/>
-              <a:t>(c),</a:t>
-            </a:r>
-            <a:r>
-              <a:rPr lang="en-US" sz="1050" dirty="0" err="1" smtClean="0"/>
-              <a:t>tcn</a:t>
-            </a:r>
-            <a:r>
-              <a:rPr lang="en-US" sz="1050" dirty="0" smtClean="0"/>
-              <a:t>(s[</a:t>
-            </a:r>
-            <a:r>
-              <a:rPr lang="en-US" sz="1050" dirty="0" err="1" smtClean="0"/>
-              <a:t>i</a:t>
-            </a:r>
-            <a:r>
-              <a:rPr lang="en-US" sz="1050" dirty="0" smtClean="0"/>
-              <a:t>])) = i+2</a:t>
-            </a:r>
-          </a:p>
-          <a:p>
-            <a:r>
-              <a:rPr lang="en-US" sz="1050" dirty="0" smtClean="0"/>
-              <a:t>Line </a:t>
-            </a:r>
-            <a:r>
-              <a:rPr lang="en-US" sz="1050" dirty="0" smtClean="0"/>
-              <a:t>6: </a:t>
-            </a:r>
-            <a:r>
-              <a:rPr lang="en-US" sz="1050" dirty="0" err="1" smtClean="0"/>
-              <a:t>tcn</a:t>
-            </a:r>
-            <a:r>
-              <a:rPr lang="en-US" sz="1050" dirty="0" smtClean="0"/>
-              <a:t>(c) = </a:t>
-            </a:r>
-            <a:r>
-              <a:rPr lang="en-US" sz="1050" dirty="0" smtClean="0"/>
-              <a:t>n+1</a:t>
-            </a:r>
-            <a:endParaRPr lang="en-US" sz="1050" dirty="0" smtClean="0"/>
-          </a:p>
-          <a:p>
             <a:endParaRPr lang="en-US" sz="1050" dirty="0"/>
           </a:p>
         </p:txBody>
@@ -4004,7 +3854,7 @@
         </p:nvCxnSpPr>
         <p:spPr>
           <a:xfrm flipH="1">
-            <a:off x="3911605" y="4298828"/>
+            <a:off x="4079018" y="4298828"/>
             <a:ext cx="298023" cy="167976"/>
           </a:xfrm>
           <a:prstGeom prst="line">
@@ -4034,7 +3884,7 @@
         </p:nvCxnSpPr>
         <p:spPr>
           <a:xfrm>
-            <a:off x="4209628" y="4298828"/>
+            <a:off x="4377041" y="4298828"/>
             <a:ext cx="348318" cy="167976"/>
           </a:xfrm>
           <a:prstGeom prst="line">
@@ -4064,7 +3914,7 @@
         </p:nvCxnSpPr>
         <p:spPr>
           <a:xfrm flipH="1">
-            <a:off x="3588435" y="4728414"/>
+            <a:off x="3755848" y="4728414"/>
             <a:ext cx="298023" cy="167976"/>
           </a:xfrm>
           <a:prstGeom prst="line">
@@ -4101,7 +3951,7 @@
         </p:nvCxnSpPr>
         <p:spPr>
           <a:xfrm>
-            <a:off x="3886458" y="4728414"/>
+            <a:off x="4053871" y="4728414"/>
             <a:ext cx="348318" cy="167976"/>
           </a:xfrm>
           <a:prstGeom prst="line">
@@ -4138,7 +3988,7 @@
         </p:nvSpPr>
         <p:spPr>
           <a:xfrm>
-            <a:off x="4146820" y="4821406"/>
+            <a:off x="4314233" y="4821406"/>
             <a:ext cx="282061" cy="261610"/>
           </a:xfrm>
           <a:prstGeom prst="rect">

--- a/paper1/tcn.pptx
+++ b/paper1/tcn.pptx
@@ -288,7 +288,7 @@
           <a:p>
             <a:fld id="{0A76EA49-31E0-3848-9ADF-F3426262647D}" type="datetimeFigureOut">
               <a:rPr lang="en-US" smtClean="0"/>
-              <a:t>9/16/15</a:t>
+              <a:t>9/29/15</a:t>
             </a:fld>
             <a:endParaRPr lang="en-US"/>
           </a:p>
@@ -458,7 +458,7 @@
           <a:p>
             <a:fld id="{0A76EA49-31E0-3848-9ADF-F3426262647D}" type="datetimeFigureOut">
               <a:rPr lang="en-US" smtClean="0"/>
-              <a:t>9/16/15</a:t>
+              <a:t>9/29/15</a:t>
             </a:fld>
             <a:endParaRPr lang="en-US"/>
           </a:p>
@@ -638,7 +638,7 @@
           <a:p>
             <a:fld id="{0A76EA49-31E0-3848-9ADF-F3426262647D}" type="datetimeFigureOut">
               <a:rPr lang="en-US" smtClean="0"/>
-              <a:t>9/16/15</a:t>
+              <a:t>9/29/15</a:t>
             </a:fld>
             <a:endParaRPr lang="en-US"/>
           </a:p>
@@ -808,7 +808,7 @@
           <a:p>
             <a:fld id="{0A76EA49-31E0-3848-9ADF-F3426262647D}" type="datetimeFigureOut">
               <a:rPr lang="en-US" smtClean="0"/>
-              <a:t>9/16/15</a:t>
+              <a:t>9/29/15</a:t>
             </a:fld>
             <a:endParaRPr lang="en-US"/>
           </a:p>
@@ -1054,7 +1054,7 @@
           <a:p>
             <a:fld id="{0A76EA49-31E0-3848-9ADF-F3426262647D}" type="datetimeFigureOut">
               <a:rPr lang="en-US" smtClean="0"/>
-              <a:t>9/16/15</a:t>
+              <a:t>9/29/15</a:t>
             </a:fld>
             <a:endParaRPr lang="en-US"/>
           </a:p>
@@ -1342,7 +1342,7 @@
           <a:p>
             <a:fld id="{0A76EA49-31E0-3848-9ADF-F3426262647D}" type="datetimeFigureOut">
               <a:rPr lang="en-US" smtClean="0"/>
-              <a:t>9/16/15</a:t>
+              <a:t>9/29/15</a:t>
             </a:fld>
             <a:endParaRPr lang="en-US"/>
           </a:p>
@@ -1764,7 +1764,7 @@
           <a:p>
             <a:fld id="{0A76EA49-31E0-3848-9ADF-F3426262647D}" type="datetimeFigureOut">
               <a:rPr lang="en-US" smtClean="0"/>
-              <a:t>9/16/15</a:t>
+              <a:t>9/29/15</a:t>
             </a:fld>
             <a:endParaRPr lang="en-US"/>
           </a:p>
@@ -1882,7 +1882,7 @@
           <a:p>
             <a:fld id="{0A76EA49-31E0-3848-9ADF-F3426262647D}" type="datetimeFigureOut">
               <a:rPr lang="en-US" smtClean="0"/>
-              <a:t>9/16/15</a:t>
+              <a:t>9/29/15</a:t>
             </a:fld>
             <a:endParaRPr lang="en-US"/>
           </a:p>
@@ -1977,7 +1977,7 @@
           <a:p>
             <a:fld id="{0A76EA49-31E0-3848-9ADF-F3426262647D}" type="datetimeFigureOut">
               <a:rPr lang="en-US" smtClean="0"/>
-              <a:t>9/16/15</a:t>
+              <a:t>9/29/15</a:t>
             </a:fld>
             <a:endParaRPr lang="en-US"/>
           </a:p>
@@ -2254,7 +2254,7 @@
           <a:p>
             <a:fld id="{0A76EA49-31E0-3848-9ADF-F3426262647D}" type="datetimeFigureOut">
               <a:rPr lang="en-US" smtClean="0"/>
-              <a:t>9/16/15</a:t>
+              <a:t>9/29/15</a:t>
             </a:fld>
             <a:endParaRPr lang="en-US"/>
           </a:p>
@@ -2507,7 +2507,7 @@
           <a:p>
             <a:fld id="{0A76EA49-31E0-3848-9ADF-F3426262647D}" type="datetimeFigureOut">
               <a:rPr lang="en-US" smtClean="0"/>
-              <a:t>9/16/15</a:t>
+              <a:t>9/29/15</a:t>
             </a:fld>
             <a:endParaRPr lang="en-US"/>
           </a:p>
@@ -2720,7 +2720,7 @@
           <a:p>
             <a:fld id="{0A76EA49-31E0-3848-9ADF-F3426262647D}" type="datetimeFigureOut">
               <a:rPr lang="en-US" smtClean="0"/>
-              <a:t>9/16/15</a:t>
+              <a:t>9/29/15</a:t>
             </a:fld>
             <a:endParaRPr lang="en-US"/>
           </a:p>
@@ -3103,7 +3103,7 @@
         </p:nvSpPr>
         <p:spPr>
           <a:xfrm>
-            <a:off x="4033172" y="2931654"/>
+            <a:off x="2546124" y="4150854"/>
             <a:ext cx="274434" cy="261610"/>
           </a:xfrm>
           <a:prstGeom prst="rect">
@@ -3144,7 +3144,7 @@
         </p:nvSpPr>
         <p:spPr>
           <a:xfrm>
-            <a:off x="4423135" y="2922895"/>
+            <a:off x="2936087" y="4142095"/>
             <a:ext cx="269318" cy="261610"/>
           </a:xfrm>
           <a:prstGeom prst="rect">
@@ -3181,7 +3181,7 @@
         </p:nvSpPr>
         <p:spPr>
           <a:xfrm>
-            <a:off x="4245214" y="2456901"/>
+            <a:off x="2758166" y="3676101"/>
             <a:ext cx="269318" cy="261610"/>
           </a:xfrm>
           <a:prstGeom prst="rect">
@@ -3218,7 +3218,7 @@
         </p:nvSpPr>
         <p:spPr>
           <a:xfrm>
-            <a:off x="3782781" y="3121968"/>
+            <a:off x="2295733" y="4341168"/>
             <a:ext cx="248786" cy="230832"/>
           </a:xfrm>
           <a:prstGeom prst="rect">
@@ -3248,7 +3248,7 @@
         </p:nvSpPr>
         <p:spPr>
           <a:xfrm>
-            <a:off x="4692453" y="3115453"/>
+            <a:off x="3205405" y="4334653"/>
             <a:ext cx="248786" cy="230832"/>
           </a:xfrm>
           <a:prstGeom prst="rect">
@@ -3278,7 +3278,7 @@
         </p:nvSpPr>
         <p:spPr>
           <a:xfrm>
-            <a:off x="4042138" y="2542638"/>
+            <a:off x="2555090" y="3761838"/>
             <a:ext cx="243163" cy="230832"/>
           </a:xfrm>
           <a:prstGeom prst="rect">
@@ -3310,7 +3310,7 @@
         </p:nvCxnSpPr>
         <p:spPr>
           <a:xfrm flipH="1">
-            <a:off x="4170389" y="2718511"/>
+            <a:off x="2683341" y="3937711"/>
             <a:ext cx="209484" cy="213143"/>
           </a:xfrm>
           <a:prstGeom prst="line">
@@ -3342,7 +3342,7 @@
         </p:nvCxnSpPr>
         <p:spPr>
           <a:xfrm>
-            <a:off x="4379873" y="2737091"/>
+            <a:off x="2892825" y="3956291"/>
             <a:ext cx="177921" cy="185804"/>
           </a:xfrm>
           <a:prstGeom prst="line">
